--- a/Projet final.pptx
+++ b/Projet final.pptx
@@ -109,6 +109,11 @@
       </a:defRPr>
     </a:lvl9pPr>
   </p:defaultTextStyle>
+  <p:extLst>
+    <p:ext uri="{EFAFB233-063F-42B5-8137-9DF3F51BA10A}">
+      <p15:sldGuideLst xmlns:p15="http://schemas.microsoft.com/office/powerpoint/2012/main"/>
+    </p:ext>
+  </p:extLst>
 </p:presentation>
 </file>
 
@@ -6402,7 +6407,7 @@
                   </a:schemeClr>
                 </a:solidFill>
               </a:rPr>
-              <a:t>Voici les résultats obtenus sur le jeu d’apprentissage pour les modèles ayant un score supérieur à 90%. Les algorithmes de </a:t>
+              <a:t>Voici les résultats obtenus sur le jeu d’apprentissage pour les modèles ayant un score supérieur à 94%. Les algorithmes de </a:t>
             </a:r>
             <a:r>
               <a:rPr lang="fr-FR" dirty="0" err="1">
@@ -6437,12 +6442,10 @@
                   </a:schemeClr>
                 </a:solidFill>
               </a:rPr>
-              <a:t>Le meilleur modèle est le CART. Nous allons donc l’appliquer au jeu de test.</a:t>
-            </a:r>
-          </a:p>
-          <a:p>
-            <a:r>
-              <a:rPr lang="fr-FR" dirty="0">
+              <a:t>Le meilleur modèle est le Gradient </a:t>
+            </a:r>
+            <a:r>
+              <a:rPr lang="fr-FR" dirty="0" err="1">
                 <a:solidFill>
                   <a:schemeClr val="bg1">
                     <a:lumMod val="85000"/>
@@ -6450,10 +6453,10 @@
                   </a:schemeClr>
                 </a:solidFill>
               </a:rPr>
-              <a:t>Là encore, l’</a:t>
-            </a:r>
-            <a:r>
-              <a:rPr lang="fr-FR" dirty="0" err="1">
+              <a:t>Boosting</a:t>
+            </a:r>
+            <a:r>
+              <a:rPr lang="fr-FR" dirty="0">
                 <a:solidFill>
                   <a:schemeClr val="bg1">
                     <a:lumMod val="85000"/>
@@ -6461,8 +6464,10 @@
                   </a:schemeClr>
                 </a:solidFill>
               </a:rPr>
-              <a:t>accuracy</a:t>
-            </a:r>
+              <a:t>. Nous allons donc l’appliquer au jeu de test.</a:t>
+            </a:r>
+          </a:p>
+          <a:p>
             <a:r>
               <a:rPr lang="fr-FR" dirty="0">
                 <a:solidFill>
@@ -6472,12 +6477,10 @@
                   </a:schemeClr>
                 </a:solidFill>
               </a:rPr>
-              <a:t> du modèle CART est de 100%. Cela signifie que l’algorithme explique parfaitement la classe d’un block par les variables. </a:t>
-            </a:r>
-          </a:p>
-          <a:p>
-            <a:r>
-              <a:rPr lang="fr-FR" dirty="0">
+              <a:t>L’</a:t>
+            </a:r>
+            <a:r>
+              <a:rPr lang="fr-FR" dirty="0" err="1">
                 <a:solidFill>
                   <a:schemeClr val="bg1">
                     <a:lumMod val="85000"/>
@@ -6485,7 +6488,31 @@
                   </a:schemeClr>
                 </a:solidFill>
               </a:rPr>
-              <a:t>Puisque sur des observations jamais vues auparavant, l’algorithme a une précision de 100%, il n’y a pas de sur-apprentissage.</a:t>
+              <a:t>accuracy</a:t>
+            </a:r>
+            <a:r>
+              <a:rPr lang="fr-FR" dirty="0">
+                <a:solidFill>
+                  <a:schemeClr val="bg1">
+                    <a:lumMod val="85000"/>
+                    <a:lumOff val="15000"/>
+                  </a:schemeClr>
+                </a:solidFill>
+              </a:rPr>
+              <a:t> du modèle GB est de 97%. Cela signifie que l’algorithme explique avec une bonne précision la classe d’un block par les variables. </a:t>
+            </a:r>
+          </a:p>
+          <a:p>
+            <a:r>
+              <a:rPr lang="fr-FR" dirty="0">
+                <a:solidFill>
+                  <a:schemeClr val="bg1">
+                    <a:lumMod val="85000"/>
+                    <a:lumOff val="15000"/>
+                  </a:schemeClr>
+                </a:solidFill>
+              </a:rPr>
+              <a:t>Puisque sur des observations jamais vues auparavant, l’algorithme a une précision de 97%, il n’y a pas de sur-apprentissage.</a:t>
             </a:r>
           </a:p>
           <a:p>
@@ -6512,10 +6539,10 @@
       </p:sp>
       <p:pic>
         <p:nvPicPr>
-          <p:cNvPr id="7" name="Image 6">
+          <p:cNvPr id="4" name="Image 3">
             <a:extLst>
               <a:ext uri="{FF2B5EF4-FFF2-40B4-BE49-F238E27FC236}">
-                <a16:creationId xmlns:a16="http://schemas.microsoft.com/office/drawing/2014/main" id="{A0180D1F-620C-4932-AF78-86A90121E423}"/>
+                <a16:creationId xmlns:a16="http://schemas.microsoft.com/office/drawing/2014/main" id="{2424946C-A1DD-4F73-817C-CF4611C80F45}"/>
               </a:ext>
             </a:extLst>
           </p:cNvPr>
@@ -6532,8 +6559,8 @@
         </p:blipFill>
         <p:spPr>
           <a:xfrm>
-            <a:off x="7688103" y="684146"/>
-            <a:ext cx="4162152" cy="2769934"/>
+            <a:off x="7620000" y="131084"/>
+            <a:ext cx="4265771" cy="2964541"/>
           </a:xfrm>
           <a:prstGeom prst="rect">
             <a:avLst/>
@@ -6542,10 +6569,10 @@
       </p:pic>
       <p:pic>
         <p:nvPicPr>
-          <p:cNvPr id="8" name="Image 7">
+          <p:cNvPr id="5" name="Image 4">
             <a:extLst>
               <a:ext uri="{FF2B5EF4-FFF2-40B4-BE49-F238E27FC236}">
-                <a16:creationId xmlns:a16="http://schemas.microsoft.com/office/drawing/2014/main" id="{79EE0077-0803-47C9-8ED4-F02DF937DFE5}"/>
+                <a16:creationId xmlns:a16="http://schemas.microsoft.com/office/drawing/2014/main" id="{B71733AF-F195-4719-91BB-FFADF741EF53}"/>
               </a:ext>
             </a:extLst>
           </p:cNvPr>
@@ -6562,8 +6589,8 @@
         </p:blipFill>
         <p:spPr>
           <a:xfrm>
-            <a:off x="8544068" y="4334934"/>
-            <a:ext cx="2457450" cy="371475"/>
+            <a:off x="7855483" y="3650341"/>
+            <a:ext cx="3794804" cy="326116"/>
           </a:xfrm>
           <a:prstGeom prst="rect">
             <a:avLst/>

--- a/Projet final.pptx
+++ b/Projet final.pptx
@@ -11,6 +11,7 @@
     <p:sldId id="259" r:id="rId5"/>
     <p:sldId id="260" r:id="rId6"/>
     <p:sldId id="261" r:id="rId7"/>
+    <p:sldId id="262" r:id="rId8"/>
   </p:sldIdLst>
   <p:sldSz cx="12192000" cy="6858000"/>
   <p:notesSz cx="6858000" cy="9144000"/>
@@ -6340,7 +6341,7 @@
           <a:p>
             <a:r>
               <a:rPr lang="fr-FR" dirty="0" err="1"/>
-              <a:t>Résultas</a:t>
+              <a:t>RésultaTs</a:t>
             </a:r>
             <a:r>
               <a:rPr lang="fr-FR" dirty="0"/>
@@ -6388,13 +6389,13 @@
         </p:nvSpPr>
         <p:spPr>
           <a:xfrm>
-            <a:off x="684212" y="2331413"/>
-            <a:ext cx="6421263" cy="3615267"/>
+            <a:off x="684212" y="2192867"/>
+            <a:ext cx="6421263" cy="4136930"/>
           </a:xfrm>
         </p:spPr>
         <p:txBody>
           <a:bodyPr>
-            <a:normAutofit fontScale="92500" lnSpcReduction="20000"/>
+            <a:normAutofit fontScale="92500" lnSpcReduction="10000"/>
           </a:bodyPr>
           <a:lstStyle/>
           <a:p>
@@ -6442,7 +6443,7 @@
                   </a:schemeClr>
                 </a:solidFill>
               </a:rPr>
-              <a:t>Le meilleur modèle est le Gradient </a:t>
+              <a:t>Le modèle avec la meilleure moyenne de prédiction est le Gradient </a:t>
             </a:r>
             <a:r>
               <a:rPr lang="fr-FR" dirty="0" err="1">
@@ -6464,7 +6465,7 @@
                   </a:schemeClr>
                 </a:solidFill>
               </a:rPr>
-              <a:t>. Nous allons donc l’appliquer au jeu de test.</a:t>
+              <a:t>. </a:t>
             </a:r>
           </a:p>
           <a:p>
@@ -6477,7 +6478,7 @@
                   </a:schemeClr>
                 </a:solidFill>
               </a:rPr>
-              <a:t>L’</a:t>
+              <a:t>Le Gradient </a:t>
             </a:r>
             <a:r>
               <a:rPr lang="fr-FR" dirty="0" err="1">
@@ -6488,7 +6489,7 @@
                   </a:schemeClr>
                 </a:solidFill>
               </a:rPr>
-              <a:t>accuracy</a:t>
+              <a:t>Boosting</a:t>
             </a:r>
             <a:r>
               <a:rPr lang="fr-FR" dirty="0">
@@ -6499,20 +6500,7 @@
                   </a:schemeClr>
                 </a:solidFill>
               </a:rPr>
-              <a:t> du modèle GB est de 97%. Cela signifie que l’algorithme explique avec une bonne précision la classe d’un block par les variables. </a:t>
-            </a:r>
-          </a:p>
-          <a:p>
-            <a:r>
-              <a:rPr lang="fr-FR" dirty="0">
-                <a:solidFill>
-                  <a:schemeClr val="bg1">
-                    <a:lumMod val="85000"/>
-                    <a:lumOff val="15000"/>
-                  </a:schemeClr>
-                </a:solidFill>
-              </a:rPr>
-              <a:t>Puisque sur des observations jamais vues auparavant, l’algorithme a une précision de 97%, il n’y a pas de sur-apprentissage.</a:t>
+              <a:t> a aussi une dispersion vers le haut intéressante, qui laisse penser qu’il y a une marge de progression en utilisant des hyperparamètres optimisés.</a:t>
             </a:r>
           </a:p>
           <a:p>
@@ -6524,6 +6512,19 @@
                 </a:schemeClr>
               </a:solidFill>
             </a:endParaRPr>
+          </a:p>
+          <a:p>
+            <a:pPr marL="0" indent="0" algn="ctr">
+              <a:buNone/>
+            </a:pPr>
+            <a:r>
+              <a:rPr lang="fr-FR" dirty="0">
+                <a:solidFill>
+                  <a:schemeClr val="tx1"/>
+                </a:solidFill>
+              </a:rPr>
+              <a:t>Nous allons donc optimiser les hyperparamètres du modèle GB pour essayer d’augmenter la précision.</a:t>
+            </a:r>
           </a:p>
           <a:p>
             <a:endParaRPr lang="fr-FR" dirty="0">
@@ -6559,7 +6560,7 @@
         </p:blipFill>
         <p:spPr>
           <a:xfrm>
-            <a:off x="7620000" y="131084"/>
+            <a:off x="7600948" y="340634"/>
             <a:ext cx="4265771" cy="2964541"/>
           </a:xfrm>
           <a:prstGeom prst="rect">
@@ -6569,10 +6570,10 @@
       </p:pic>
       <p:pic>
         <p:nvPicPr>
-          <p:cNvPr id="5" name="Image 4">
+          <p:cNvPr id="9" name="Image 8">
             <a:extLst>
               <a:ext uri="{FF2B5EF4-FFF2-40B4-BE49-F238E27FC236}">
-                <a16:creationId xmlns:a16="http://schemas.microsoft.com/office/drawing/2014/main" id="{B71733AF-F195-4719-91BB-FFADF741EF53}"/>
+                <a16:creationId xmlns:a16="http://schemas.microsoft.com/office/drawing/2014/main" id="{71AAECA6-DC7B-4FF8-B636-48359A2E0545}"/>
               </a:ext>
             </a:extLst>
           </p:cNvPr>
@@ -6589,8 +6590,8 @@
         </p:blipFill>
         <p:spPr>
           <a:xfrm>
-            <a:off x="7855483" y="3650341"/>
-            <a:ext cx="3794804" cy="326116"/>
+            <a:off x="7600947" y="3429000"/>
+            <a:ext cx="4265771" cy="3114342"/>
           </a:xfrm>
           <a:prstGeom prst="rect">
             <a:avLst/>
@@ -6601,6 +6602,297 @@
     <p:extLst>
       <p:ext uri="{BB962C8B-B14F-4D97-AF65-F5344CB8AC3E}">
         <p14:creationId xmlns:p14="http://schemas.microsoft.com/office/powerpoint/2010/main" val="2003666004"/>
+      </p:ext>
+    </p:extLst>
+  </p:cSld>
+  <p:clrMapOvr>
+    <a:masterClrMapping/>
+  </p:clrMapOvr>
+</p:sld>
+</file>
+
+<file path=ppt/slides/slide7.xml><?xml version="1.0" encoding="utf-8"?>
+<p:sld xmlns:a="http://schemas.openxmlformats.org/drawingml/2006/main" xmlns:r="http://schemas.openxmlformats.org/officeDocument/2006/relationships" xmlns:p="http://schemas.openxmlformats.org/presentationml/2006/main">
+  <p:cSld>
+    <p:spTree>
+      <p:nvGrpSpPr>
+        <p:cNvPr id="1" name=""/>
+        <p:cNvGrpSpPr/>
+        <p:nvPr/>
+      </p:nvGrpSpPr>
+      <p:grpSpPr>
+        <a:xfrm>
+          <a:off x="0" y="0"/>
+          <a:ext cx="0" cy="0"/>
+          <a:chOff x="0" y="0"/>
+          <a:chExt cx="0" cy="0"/>
+        </a:xfrm>
+      </p:grpSpPr>
+      <p:sp>
+        <p:nvSpPr>
+          <p:cNvPr id="2" name="Titre 1">
+            <a:extLst>
+              <a:ext uri="{FF2B5EF4-FFF2-40B4-BE49-F238E27FC236}">
+                <a16:creationId xmlns:a16="http://schemas.microsoft.com/office/drawing/2014/main" id="{02FBDB21-699C-46B1-AC7B-6572AB8F1719}"/>
+              </a:ext>
+            </a:extLst>
+          </p:cNvPr>
+          <p:cNvSpPr>
+            <a:spLocks noGrp="1"/>
+          </p:cNvSpPr>
+          <p:nvPr>
+            <p:ph type="title"/>
+          </p:nvPr>
+        </p:nvSpPr>
+        <p:spPr>
+          <a:xfrm>
+            <a:off x="684212" y="685800"/>
+            <a:ext cx="8534400" cy="1507067"/>
+          </a:xfrm>
+        </p:spPr>
+        <p:txBody>
+          <a:bodyPr/>
+          <a:lstStyle/>
+          <a:p>
+            <a:r>
+              <a:rPr lang="fr-FR" dirty="0" err="1"/>
+              <a:t>RésultaTs</a:t>
+            </a:r>
+            <a:r>
+              <a:rPr lang="fr-FR" dirty="0"/>
+              <a:t> Optimisés </a:t>
+            </a:r>
+            <a:r>
+              <a:rPr lang="fr-FR" sz="1600" dirty="0"/>
+              <a:t>(</a:t>
+            </a:r>
+            <a:r>
+              <a:rPr lang="fr-FR" sz="1600" dirty="0" err="1"/>
+              <a:t>grid</a:t>
+            </a:r>
+            <a:r>
+              <a:rPr lang="fr-FR" sz="1600" dirty="0"/>
+              <a:t> </a:t>
+            </a:r>
+            <a:r>
+              <a:rPr lang="fr-FR" sz="1600" dirty="0" err="1"/>
+              <a:t>search</a:t>
+            </a:r>
+            <a:r>
+              <a:rPr lang="fr-FR" sz="1600" dirty="0"/>
+              <a:t>) </a:t>
+            </a:r>
+            <a:endParaRPr lang="fr-FR" dirty="0"/>
+          </a:p>
+        </p:txBody>
+      </p:sp>
+      <p:sp>
+        <p:nvSpPr>
+          <p:cNvPr id="3" name="Espace réservé du contenu 2">
+            <a:extLst>
+              <a:ext uri="{FF2B5EF4-FFF2-40B4-BE49-F238E27FC236}">
+                <a16:creationId xmlns:a16="http://schemas.microsoft.com/office/drawing/2014/main" id="{41C9E420-E306-4447-B39B-0E326284DFA7}"/>
+              </a:ext>
+            </a:extLst>
+          </p:cNvPr>
+          <p:cNvSpPr>
+            <a:spLocks noGrp="1"/>
+          </p:cNvSpPr>
+          <p:nvPr>
+            <p:ph idx="1"/>
+          </p:nvPr>
+        </p:nvSpPr>
+        <p:spPr>
+          <a:xfrm>
+            <a:off x="684212" y="2331413"/>
+            <a:ext cx="6421263" cy="3615267"/>
+          </a:xfrm>
+        </p:spPr>
+        <p:txBody>
+          <a:bodyPr>
+            <a:normAutofit/>
+          </a:bodyPr>
+          <a:lstStyle/>
+          <a:p>
+            <a:r>
+              <a:rPr lang="fr-FR" dirty="0">
+                <a:solidFill>
+                  <a:schemeClr val="bg1">
+                    <a:lumMod val="85000"/>
+                    <a:lumOff val="15000"/>
+                  </a:schemeClr>
+                </a:solidFill>
+              </a:rPr>
+              <a:t>L’</a:t>
+            </a:r>
+            <a:r>
+              <a:rPr lang="fr-FR" dirty="0" err="1">
+                <a:solidFill>
+                  <a:schemeClr val="bg1">
+                    <a:lumMod val="85000"/>
+                    <a:lumOff val="15000"/>
+                  </a:schemeClr>
+                </a:solidFill>
+              </a:rPr>
+              <a:t>accuracy</a:t>
+            </a:r>
+            <a:r>
+              <a:rPr lang="fr-FR" dirty="0">
+                <a:solidFill>
+                  <a:schemeClr val="bg1">
+                    <a:lumMod val="85000"/>
+                    <a:lumOff val="15000"/>
+                  </a:schemeClr>
+                </a:solidFill>
+              </a:rPr>
+              <a:t> du modèle GB sur le jeu de test sans optimisation est de 97,5%. Cela signifie que le modèle ne fait pas de sur-apprentissage.  </a:t>
+            </a:r>
+          </a:p>
+          <a:p>
+            <a:r>
+              <a:rPr lang="fr-FR" dirty="0">
+                <a:solidFill>
+                  <a:schemeClr val="bg1">
+                    <a:lumMod val="85000"/>
+                    <a:lumOff val="15000"/>
+                  </a:schemeClr>
+                </a:solidFill>
+              </a:rPr>
+              <a:t>En optimisant les hyperparamètres </a:t>
+            </a:r>
+            <a:r>
+              <a:rPr lang="fr-FR" dirty="0" err="1">
+                <a:solidFill>
+                  <a:schemeClr val="accent3">
+                    <a:lumMod val="50000"/>
+                  </a:schemeClr>
+                </a:solidFill>
+              </a:rPr>
+              <a:t>max_depth</a:t>
+            </a:r>
+            <a:r>
+              <a:rPr lang="fr-FR" dirty="0">
+                <a:solidFill>
+                  <a:schemeClr val="accent3">
+                    <a:lumMod val="50000"/>
+                  </a:schemeClr>
+                </a:solidFill>
+              </a:rPr>
+              <a:t> (3), </a:t>
+            </a:r>
+            <a:r>
+              <a:rPr lang="fr-FR" dirty="0" err="1">
+                <a:solidFill>
+                  <a:schemeClr val="accent3">
+                    <a:lumMod val="50000"/>
+                  </a:schemeClr>
+                </a:solidFill>
+              </a:rPr>
+              <a:t>min_samples_split</a:t>
+            </a:r>
+            <a:r>
+              <a:rPr lang="fr-FR" dirty="0">
+                <a:solidFill>
+                  <a:schemeClr val="accent3">
+                    <a:lumMod val="50000"/>
+                  </a:schemeClr>
+                </a:solidFill>
+              </a:rPr>
+              <a:t> (6), </a:t>
+            </a:r>
+            <a:r>
+              <a:rPr lang="fr-FR" dirty="0" err="1">
+                <a:solidFill>
+                  <a:schemeClr val="accent3">
+                    <a:lumMod val="50000"/>
+                  </a:schemeClr>
+                </a:solidFill>
+              </a:rPr>
+              <a:t>min_samples_leaf</a:t>
+            </a:r>
+            <a:r>
+              <a:rPr lang="fr-FR" dirty="0">
+                <a:solidFill>
+                  <a:schemeClr val="accent3">
+                    <a:lumMod val="50000"/>
+                  </a:schemeClr>
+                </a:solidFill>
+              </a:rPr>
+              <a:t>(1) et </a:t>
+            </a:r>
+            <a:r>
+              <a:rPr lang="fr-FR" dirty="0" err="1">
+                <a:solidFill>
+                  <a:schemeClr val="accent3">
+                    <a:lumMod val="50000"/>
+                  </a:schemeClr>
+                </a:solidFill>
+              </a:rPr>
+              <a:t>max_features</a:t>
+            </a:r>
+            <a:r>
+              <a:rPr lang="fr-FR" dirty="0">
+                <a:solidFill>
+                  <a:schemeClr val="accent3">
+                    <a:lumMod val="50000"/>
+                  </a:schemeClr>
+                </a:solidFill>
+              </a:rPr>
+              <a:t>(3)</a:t>
+            </a:r>
+            <a:r>
+              <a:rPr lang="fr-FR" dirty="0">
+                <a:solidFill>
+                  <a:schemeClr val="bg1"/>
+                </a:solidFill>
+              </a:rPr>
+              <a:t>, le modèle a une précision moyenne de 97,7%.</a:t>
+            </a:r>
+            <a:endParaRPr lang="fr-FR" dirty="0">
+              <a:solidFill>
+                <a:schemeClr val="bg1">
+                  <a:lumMod val="85000"/>
+                  <a:lumOff val="15000"/>
+                </a:schemeClr>
+              </a:solidFill>
+            </a:endParaRPr>
+          </a:p>
+        </p:txBody>
+      </p:sp>
+      <p:pic>
+        <p:nvPicPr>
+          <p:cNvPr id="5" name="Image 4">
+            <a:extLst>
+              <a:ext uri="{FF2B5EF4-FFF2-40B4-BE49-F238E27FC236}">
+                <a16:creationId xmlns:a16="http://schemas.microsoft.com/office/drawing/2014/main" id="{C49BC4DD-8579-44BB-9FEB-59276D6EBAF9}"/>
+              </a:ext>
+            </a:extLst>
+          </p:cNvPr>
+          <p:cNvPicPr>
+            <a:picLocks noChangeAspect="1"/>
+          </p:cNvPicPr>
+          <p:nvPr/>
+        </p:nvPicPr>
+        <p:blipFill>
+          <a:blip r:embed="rId2"/>
+          <a:stretch>
+            <a:fillRect/>
+          </a:stretch>
+        </p:blipFill>
+        <p:spPr>
+          <a:xfrm>
+            <a:off x="1497107" y="5694701"/>
+            <a:ext cx="4795471" cy="333375"/>
+          </a:xfrm>
+          <a:prstGeom prst="rect">
+            <a:avLst/>
+          </a:prstGeom>
+        </p:spPr>
+      </p:pic>
+    </p:spTree>
+    <p:extLst>
+      <p:ext uri="{BB962C8B-B14F-4D97-AF65-F5344CB8AC3E}">
+        <p14:creationId xmlns:p14="http://schemas.microsoft.com/office/powerpoint/2010/main" val="648138200"/>
       </p:ext>
     </p:extLst>
   </p:cSld>
